--- a/Lecture-15-Specular BRDFs.pptx
+++ b/Lecture-15-Specular BRDFs.pptx
@@ -5,7 +5,7 @@
     <p:sldMasterId id="2147483660" r:id="rId1"/>
   </p:sldMasterIdLst>
   <p:notesMasterIdLst>
-    <p:notesMasterId r:id="rId17"/>
+    <p:notesMasterId r:id="rId16"/>
   </p:notesMasterIdLst>
   <p:sldIdLst>
     <p:sldId id="285" r:id="rId2"/>
@@ -16,13 +16,12 @@
     <p:sldId id="381" r:id="rId7"/>
     <p:sldId id="352" r:id="rId8"/>
     <p:sldId id="382" r:id="rId9"/>
-    <p:sldId id="389" r:id="rId10"/>
-    <p:sldId id="383" r:id="rId11"/>
-    <p:sldId id="384" r:id="rId12"/>
-    <p:sldId id="388" r:id="rId13"/>
-    <p:sldId id="385" r:id="rId14"/>
-    <p:sldId id="386" r:id="rId15"/>
-    <p:sldId id="387" r:id="rId16"/>
+    <p:sldId id="383" r:id="rId10"/>
+    <p:sldId id="384" r:id="rId11"/>
+    <p:sldId id="388" r:id="rId12"/>
+    <p:sldId id="385" r:id="rId13"/>
+    <p:sldId id="386" r:id="rId14"/>
+    <p:sldId id="387" r:id="rId15"/>
   </p:sldIdLst>
   <p:sldSz cx="9144000" cy="6858000" type="screen4x3"/>
   <p:notesSz cx="6858000" cy="9144000"/>
@@ -121,6 +120,22 @@
       </a:defRPr>
     </a:lvl9pPr>
   </p:defaultTextStyle>
+  <p:extLst>
+    <p:ext uri="{EFAFB233-063F-42B5-8137-9DF3F51BA10A}">
+      <p15:sldGuideLst xmlns:p15="http://schemas.microsoft.com/office/powerpoint/2012/main">
+        <p15:guide id="1" orient="horz" pos="2160">
+          <p15:clr>
+            <a:srgbClr val="A4A3A4"/>
+          </p15:clr>
+        </p15:guide>
+        <p15:guide id="2" pos="2880">
+          <p15:clr>
+            <a:srgbClr val="A4A3A4"/>
+          </p15:clr>
+        </p15:guide>
+      </p15:sldGuideLst>
+    </p:ext>
+  </p:extLst>
 </p:presentation>
 </file>
 
@@ -206,7 +221,7 @@
           <a:p>
             <a:fld id="{FFC671DE-B974-1645-9773-8DE72E573319}" type="datetimeFigureOut">
               <a:rPr lang="en-US" smtClean="0"/>
-              <a:t>2/28/16</a:t>
+              <a:t>10/22/2018</a:t>
             </a:fld>
             <a:endParaRPr lang="en-US"/>
           </a:p>
@@ -270,38 +285,37 @@
           <a:p>
             <a:pPr lvl="0"/>
             <a:r>
-              <a:rPr lang="en-US" smtClean="0"/>
+              <a:rPr lang="en-US"/>
               <a:t>Click to edit Master text styles</a:t>
             </a:r>
           </a:p>
           <a:p>
             <a:pPr lvl="1"/>
             <a:r>
-              <a:rPr lang="en-US" smtClean="0"/>
+              <a:rPr lang="en-US"/>
               <a:t>Second level</a:t>
             </a:r>
           </a:p>
           <a:p>
             <a:pPr lvl="2"/>
             <a:r>
-              <a:rPr lang="en-US" smtClean="0"/>
+              <a:rPr lang="en-US"/>
               <a:t>Third level</a:t>
             </a:r>
           </a:p>
           <a:p>
             <a:pPr lvl="3"/>
             <a:r>
-              <a:rPr lang="en-US" smtClean="0"/>
+              <a:rPr lang="en-US"/>
               <a:t>Fourth level</a:t>
             </a:r>
           </a:p>
           <a:p>
             <a:pPr lvl="4"/>
             <a:r>
-              <a:rPr lang="en-US" smtClean="0"/>
+              <a:rPr lang="en-US"/>
               <a:t>Fifth level</a:t>
             </a:r>
-            <a:endParaRPr lang="en-US"/>
           </a:p>
         </p:txBody>
       </p:sp>
@@ -591,7 +605,7 @@
           <a:lstStyle/>
           <a:p>
             <a:r>
-              <a:rPr lang="en-US" smtClean="0"/>
+              <a:rPr lang="en-US"/>
               <a:t>Click to edit Master title style</a:t>
             </a:r>
             <a:endParaRPr/>
@@ -748,7 +762,7 @@
           </a:lstStyle>
           <a:p>
             <a:r>
-              <a:rPr lang="en-US" smtClean="0"/>
+              <a:rPr lang="en-US"/>
               <a:t>Click to edit Master subtitle style</a:t>
             </a:r>
             <a:endParaRPr dirty="0"/>
@@ -863,7 +877,7 @@
           </a:lstStyle>
           <a:p>
             <a:r>
-              <a:rPr lang="en-US" smtClean="0"/>
+              <a:rPr lang="en-US"/>
               <a:t>Click to edit Master title style</a:t>
             </a:r>
             <a:endParaRPr/>
@@ -930,7 +944,7 @@
           </a:lstStyle>
           <a:p>
             <a:r>
-              <a:rPr lang="en-US" smtClean="0"/>
+              <a:rPr lang="en-US"/>
               <a:t>Drag picture to placeholder or click icon to add</a:t>
             </a:r>
             <a:endParaRPr/>
@@ -1042,7 +1056,7 @@
               <a:buNone/>
             </a:pPr>
             <a:r>
-              <a:rPr lang="en-US" smtClean="0"/>
+              <a:rPr lang="en-US"/>
               <a:t>Click to edit Master text styles</a:t>
             </a:r>
           </a:p>
@@ -1073,7 +1087,7 @@
           <a:p>
             <a:fld id="{15BAAE7D-7912-B445-AAA7-9E6395770C35}" type="datetimeFigureOut">
               <a:rPr lang="en-US" smtClean="0"/>
-              <a:t>2/28/16</a:t>
+              <a:t>10/22/2018</a:t>
             </a:fld>
             <a:endParaRPr lang="en-US"/>
           </a:p>
@@ -1173,7 +1187,7 @@
           </a:lstStyle>
           <a:p>
             <a:r>
-              <a:rPr lang="en-US" smtClean="0"/>
+              <a:rPr lang="en-US"/>
               <a:t>Click to edit Master title style</a:t>
             </a:r>
             <a:endParaRPr/>
@@ -1326,7 +1340,7 @@
           </a:lstStyle>
           <a:p>
             <a:r>
-              <a:rPr lang="en-US" smtClean="0"/>
+              <a:rPr lang="en-US"/>
               <a:t>Click to edit Master subtitle style</a:t>
             </a:r>
             <a:endParaRPr dirty="0"/>
@@ -1358,7 +1372,7 @@
           <a:p>
             <a:fld id="{15BAAE7D-7912-B445-AAA7-9E6395770C35}" type="datetimeFigureOut">
               <a:rPr lang="en-US" smtClean="0"/>
-              <a:t>2/28/16</a:t>
+              <a:t>10/22/2018</a:t>
             </a:fld>
             <a:endParaRPr lang="en-US"/>
           </a:p>
@@ -1411,7 +1425,7 @@
           </a:lstStyle>
           <a:p>
             <a:r>
-              <a:rPr lang="en-US" smtClean="0"/>
+              <a:rPr lang="en-US"/>
               <a:t>Drag picture to placeholder or click icon to add</a:t>
             </a:r>
             <a:endParaRPr/>
@@ -1470,7 +1484,7 @@
           </a:lstStyle>
           <a:p>
             <a:r>
-              <a:rPr lang="en-US" smtClean="0"/>
+              <a:rPr lang="en-US"/>
               <a:t>Click to edit Master title style</a:t>
             </a:r>
             <a:endParaRPr/>
@@ -1623,7 +1637,7 @@
           </a:lstStyle>
           <a:p>
             <a:r>
-              <a:rPr lang="en-US" smtClean="0"/>
+              <a:rPr lang="en-US"/>
               <a:t>Click to edit Master subtitle style</a:t>
             </a:r>
             <a:endParaRPr dirty="0"/>
@@ -1655,7 +1669,7 @@
           <a:p>
             <a:fld id="{15BAAE7D-7912-B445-AAA7-9E6395770C35}" type="datetimeFigureOut">
               <a:rPr lang="en-US" smtClean="0"/>
-              <a:t>2/28/16</a:t>
+              <a:t>10/22/2018</a:t>
             </a:fld>
             <a:endParaRPr lang="en-US"/>
           </a:p>
@@ -1708,7 +1722,7 @@
           </a:lstStyle>
           <a:p>
             <a:r>
-              <a:rPr lang="en-US" smtClean="0"/>
+              <a:rPr lang="en-US"/>
               <a:t>Drag picture to placeholder or click icon to add</a:t>
             </a:r>
             <a:endParaRPr/>
@@ -1743,7 +1757,7 @@
           </a:lstStyle>
           <a:p>
             <a:r>
-              <a:rPr lang="en-US" smtClean="0"/>
+              <a:rPr lang="en-US"/>
               <a:t>Drag picture to placeholder or click icon to add</a:t>
             </a:r>
             <a:endParaRPr/>
@@ -1802,7 +1816,7 @@
           </a:lstStyle>
           <a:p>
             <a:r>
-              <a:rPr lang="en-US" smtClean="0"/>
+              <a:rPr lang="en-US"/>
               <a:t>Click to edit Master title style</a:t>
             </a:r>
             <a:endParaRPr/>
@@ -1955,7 +1969,7 @@
           </a:lstStyle>
           <a:p>
             <a:r>
-              <a:rPr lang="en-US" smtClean="0"/>
+              <a:rPr lang="en-US"/>
               <a:t>Click to edit Master subtitle style</a:t>
             </a:r>
             <a:endParaRPr/>
@@ -1987,7 +2001,7 @@
           <a:p>
             <a:fld id="{15BAAE7D-7912-B445-AAA7-9E6395770C35}" type="datetimeFigureOut">
               <a:rPr lang="en-US" smtClean="0"/>
-              <a:t>2/28/16</a:t>
+              <a:t>10/22/2018</a:t>
             </a:fld>
             <a:endParaRPr lang="en-US"/>
           </a:p>
@@ -2040,7 +2054,7 @@
           </a:lstStyle>
           <a:p>
             <a:r>
-              <a:rPr lang="en-US" smtClean="0"/>
+              <a:rPr lang="en-US"/>
               <a:t>Drag picture to placeholder or click icon to add</a:t>
             </a:r>
             <a:endParaRPr/>
@@ -2075,7 +2089,7 @@
           </a:lstStyle>
           <a:p>
             <a:r>
-              <a:rPr lang="en-US" smtClean="0"/>
+              <a:rPr lang="en-US"/>
               <a:t>Drag picture to placeholder or click icon to add</a:t>
             </a:r>
             <a:endParaRPr/>
@@ -2110,7 +2124,7 @@
           </a:lstStyle>
           <a:p>
             <a:r>
-              <a:rPr lang="en-US" smtClean="0"/>
+              <a:rPr lang="en-US"/>
               <a:t>Drag picture to placeholder or click icon to add</a:t>
             </a:r>
             <a:endParaRPr/>
@@ -2158,7 +2172,7 @@
           <a:lstStyle/>
           <a:p>
             <a:r>
-              <a:rPr lang="en-US" smtClean="0"/>
+              <a:rPr lang="en-US"/>
               <a:t>Click to edit Master title style</a:t>
             </a:r>
             <a:endParaRPr/>
@@ -2186,35 +2200,35 @@
           <a:p>
             <a:pPr lvl="0"/>
             <a:r>
-              <a:rPr lang="en-US" smtClean="0"/>
+              <a:rPr lang="en-US"/>
               <a:t>Click to edit Master text styles</a:t>
             </a:r>
           </a:p>
           <a:p>
             <a:pPr lvl="1"/>
             <a:r>
-              <a:rPr lang="en-US" smtClean="0"/>
+              <a:rPr lang="en-US"/>
               <a:t>Second level</a:t>
             </a:r>
           </a:p>
           <a:p>
             <a:pPr lvl="2"/>
             <a:r>
-              <a:rPr lang="en-US" smtClean="0"/>
+              <a:rPr lang="en-US"/>
               <a:t>Third level</a:t>
             </a:r>
           </a:p>
           <a:p>
             <a:pPr lvl="3"/>
             <a:r>
-              <a:rPr lang="en-US" smtClean="0"/>
+              <a:rPr lang="en-US"/>
               <a:t>Fourth level</a:t>
             </a:r>
           </a:p>
           <a:p>
             <a:pPr lvl="4"/>
             <a:r>
-              <a:rPr lang="en-US" smtClean="0"/>
+              <a:rPr lang="en-US"/>
               <a:t>Fifth level</a:t>
             </a:r>
             <a:endParaRPr dirty="0"/>
@@ -2246,7 +2260,7 @@
           <a:p>
             <a:fld id="{15BAAE7D-7912-B445-AAA7-9E6395770C35}" type="datetimeFigureOut">
               <a:rPr lang="en-US" smtClean="0"/>
-              <a:t>2/28/16</a:t>
+              <a:t>10/22/2018</a:t>
             </a:fld>
             <a:endParaRPr lang="en-US"/>
           </a:p>
@@ -2340,7 +2354,7 @@
           <a:lstStyle/>
           <a:p>
             <a:r>
-              <a:rPr lang="en-US" smtClean="0"/>
+              <a:rPr lang="en-US"/>
               <a:t>Click to edit Master title style</a:t>
             </a:r>
             <a:endParaRPr/>
@@ -2373,35 +2387,35 @@
           <a:p>
             <a:pPr lvl="0"/>
             <a:r>
-              <a:rPr lang="en-US" smtClean="0"/>
+              <a:rPr lang="en-US"/>
               <a:t>Click to edit Master text styles</a:t>
             </a:r>
           </a:p>
           <a:p>
             <a:pPr lvl="1"/>
             <a:r>
-              <a:rPr lang="en-US" smtClean="0"/>
+              <a:rPr lang="en-US"/>
               <a:t>Second level</a:t>
             </a:r>
           </a:p>
           <a:p>
             <a:pPr lvl="2"/>
             <a:r>
-              <a:rPr lang="en-US" smtClean="0"/>
+              <a:rPr lang="en-US"/>
               <a:t>Third level</a:t>
             </a:r>
           </a:p>
           <a:p>
             <a:pPr lvl="3"/>
             <a:r>
-              <a:rPr lang="en-US" smtClean="0"/>
+              <a:rPr lang="en-US"/>
               <a:t>Fourth level</a:t>
             </a:r>
           </a:p>
           <a:p>
             <a:pPr lvl="4"/>
             <a:r>
-              <a:rPr lang="en-US" smtClean="0"/>
+              <a:rPr lang="en-US"/>
               <a:t>Fifth level</a:t>
             </a:r>
             <a:endParaRPr dirty="0"/>
@@ -2433,7 +2447,7 @@
           <a:p>
             <a:fld id="{15BAAE7D-7912-B445-AAA7-9E6395770C35}" type="datetimeFigureOut">
               <a:rPr lang="en-US" smtClean="0"/>
-              <a:t>2/28/16</a:t>
+              <a:t>10/22/2018</a:t>
             </a:fld>
             <a:endParaRPr lang="en-US"/>
           </a:p>
@@ -2522,7 +2536,7 @@
           <a:lstStyle/>
           <a:p>
             <a:r>
-              <a:rPr lang="en-US" smtClean="0"/>
+              <a:rPr lang="en-US"/>
               <a:t>Click to edit Master title style</a:t>
             </a:r>
             <a:endParaRPr/>
@@ -2550,35 +2564,35 @@
           <a:p>
             <a:pPr lvl="0"/>
             <a:r>
-              <a:rPr lang="en-US" smtClean="0"/>
+              <a:rPr lang="en-US"/>
               <a:t>Click to edit Master text styles</a:t>
             </a:r>
           </a:p>
           <a:p>
             <a:pPr lvl="1"/>
             <a:r>
-              <a:rPr lang="en-US" smtClean="0"/>
+              <a:rPr lang="en-US"/>
               <a:t>Second level</a:t>
             </a:r>
           </a:p>
           <a:p>
             <a:pPr lvl="2"/>
             <a:r>
-              <a:rPr lang="en-US" smtClean="0"/>
+              <a:rPr lang="en-US"/>
               <a:t>Third level</a:t>
             </a:r>
           </a:p>
           <a:p>
             <a:pPr lvl="3"/>
             <a:r>
-              <a:rPr lang="en-US" smtClean="0"/>
+              <a:rPr lang="en-US"/>
               <a:t>Fourth level</a:t>
             </a:r>
           </a:p>
           <a:p>
             <a:pPr lvl="4"/>
             <a:r>
-              <a:rPr lang="en-US" smtClean="0"/>
+              <a:rPr lang="en-US"/>
               <a:t>Fifth level</a:t>
             </a:r>
             <a:endParaRPr dirty="0"/>
@@ -2682,7 +2696,7 @@
           <a:lstStyle/>
           <a:p>
             <a:r>
-              <a:rPr lang="en-US" smtClean="0"/>
+              <a:rPr lang="en-US"/>
               <a:t>Click to edit Master title style</a:t>
             </a:r>
             <a:endParaRPr/>
@@ -2833,7 +2847,7 @@
           </a:lstStyle>
           <a:p>
             <a:r>
-              <a:rPr lang="en-US" smtClean="0"/>
+              <a:rPr lang="en-US"/>
               <a:t>Click to edit Master subtitle style</a:t>
             </a:r>
             <a:endParaRPr dirty="0"/>
@@ -2887,7 +2901,7 @@
           </a:lstStyle>
           <a:p>
             <a:r>
-              <a:rPr lang="en-US" smtClean="0"/>
+              <a:rPr lang="en-US"/>
               <a:t>Drag picture to placeholder or click icon to add</a:t>
             </a:r>
             <a:endParaRPr/>
@@ -2960,7 +2974,7 @@
           </a:lstStyle>
           <a:p>
             <a:r>
-              <a:rPr lang="en-US" smtClean="0"/>
+              <a:rPr lang="en-US"/>
               <a:t>Click to edit Master title style</a:t>
             </a:r>
             <a:endParaRPr/>
@@ -3118,7 +3132,7 @@
           <a:p>
             <a:pPr lvl="0"/>
             <a:r>
-              <a:rPr lang="en-US" smtClean="0"/>
+              <a:rPr lang="en-US"/>
               <a:t>Click to edit Master text styles</a:t>
             </a:r>
           </a:p>
@@ -3207,7 +3221,7 @@
           <a:lstStyle/>
           <a:p>
             <a:r>
-              <a:rPr lang="en-US" smtClean="0"/>
+              <a:rPr lang="en-US"/>
               <a:t>Click to edit Master title style</a:t>
             </a:r>
             <a:endParaRPr/>
@@ -3266,35 +3280,35 @@
           <a:p>
             <a:pPr lvl="0"/>
             <a:r>
-              <a:rPr lang="en-US" smtClean="0"/>
+              <a:rPr lang="en-US"/>
               <a:t>Click to edit Master text styles</a:t>
             </a:r>
           </a:p>
           <a:p>
             <a:pPr lvl="1"/>
             <a:r>
-              <a:rPr lang="en-US" smtClean="0"/>
+              <a:rPr lang="en-US"/>
               <a:t>Second level</a:t>
             </a:r>
           </a:p>
           <a:p>
             <a:pPr lvl="2"/>
             <a:r>
-              <a:rPr lang="en-US" smtClean="0"/>
+              <a:rPr lang="en-US"/>
               <a:t>Third level</a:t>
             </a:r>
           </a:p>
           <a:p>
             <a:pPr lvl="3"/>
             <a:r>
-              <a:rPr lang="en-US" smtClean="0"/>
+              <a:rPr lang="en-US"/>
               <a:t>Fourth level</a:t>
             </a:r>
           </a:p>
           <a:p>
             <a:pPr lvl="4"/>
             <a:r>
-              <a:rPr lang="en-US" smtClean="0"/>
+              <a:rPr lang="en-US"/>
               <a:t>Fifth level</a:t>
             </a:r>
             <a:endParaRPr dirty="0"/>
@@ -3353,35 +3367,35 @@
           <a:p>
             <a:pPr lvl="0"/>
             <a:r>
-              <a:rPr lang="en-US" smtClean="0"/>
+              <a:rPr lang="en-US"/>
               <a:t>Click to edit Master text styles</a:t>
             </a:r>
           </a:p>
           <a:p>
             <a:pPr lvl="1"/>
             <a:r>
-              <a:rPr lang="en-US" smtClean="0"/>
+              <a:rPr lang="en-US"/>
               <a:t>Second level</a:t>
             </a:r>
           </a:p>
           <a:p>
             <a:pPr lvl="2"/>
             <a:r>
-              <a:rPr lang="en-US" smtClean="0"/>
+              <a:rPr lang="en-US"/>
               <a:t>Third level</a:t>
             </a:r>
           </a:p>
           <a:p>
             <a:pPr lvl="3"/>
             <a:r>
-              <a:rPr lang="en-US" smtClean="0"/>
+              <a:rPr lang="en-US"/>
               <a:t>Fourth level</a:t>
             </a:r>
           </a:p>
           <a:p>
             <a:pPr lvl="4"/>
             <a:r>
-              <a:rPr lang="en-US" smtClean="0"/>
+              <a:rPr lang="en-US"/>
               <a:t>Fifth level</a:t>
             </a:r>
             <a:endParaRPr dirty="0"/>
@@ -3475,7 +3489,7 @@
           </a:lstStyle>
           <a:p>
             <a:r>
-              <a:rPr lang="en-US" smtClean="0"/>
+              <a:rPr lang="en-US"/>
               <a:t>Click to edit Master title style</a:t>
             </a:r>
             <a:endParaRPr/>
@@ -3543,7 +3557,7 @@
           <a:p>
             <a:pPr lvl="0"/>
             <a:r>
-              <a:rPr lang="en-US" smtClean="0"/>
+              <a:rPr lang="en-US"/>
               <a:t>Click to edit Master text styles</a:t>
             </a:r>
           </a:p>
@@ -3601,35 +3615,35 @@
           <a:p>
             <a:pPr lvl="0"/>
             <a:r>
-              <a:rPr lang="en-US" smtClean="0"/>
+              <a:rPr lang="en-US"/>
               <a:t>Click to edit Master text styles</a:t>
             </a:r>
           </a:p>
           <a:p>
             <a:pPr lvl="1"/>
             <a:r>
-              <a:rPr lang="en-US" smtClean="0"/>
+              <a:rPr lang="en-US"/>
               <a:t>Second level</a:t>
             </a:r>
           </a:p>
           <a:p>
             <a:pPr lvl="2"/>
             <a:r>
-              <a:rPr lang="en-US" smtClean="0"/>
+              <a:rPr lang="en-US"/>
               <a:t>Third level</a:t>
             </a:r>
           </a:p>
           <a:p>
             <a:pPr lvl="3"/>
             <a:r>
-              <a:rPr lang="en-US" smtClean="0"/>
+              <a:rPr lang="en-US"/>
               <a:t>Fourth level</a:t>
             </a:r>
           </a:p>
           <a:p>
             <a:pPr lvl="4"/>
             <a:r>
-              <a:rPr lang="en-US" smtClean="0"/>
+              <a:rPr lang="en-US"/>
               <a:t>Fifth level</a:t>
             </a:r>
             <a:endParaRPr dirty="0"/>
@@ -3697,7 +3711,7 @@
           <a:p>
             <a:pPr lvl="0"/>
             <a:r>
-              <a:rPr lang="en-US" smtClean="0"/>
+              <a:rPr lang="en-US"/>
               <a:t>Click to edit Master text styles</a:t>
             </a:r>
           </a:p>
@@ -3755,35 +3769,35 @@
           <a:p>
             <a:pPr lvl="0"/>
             <a:r>
-              <a:rPr lang="en-US" smtClean="0"/>
+              <a:rPr lang="en-US"/>
               <a:t>Click to edit Master text styles</a:t>
             </a:r>
           </a:p>
           <a:p>
             <a:pPr lvl="1"/>
             <a:r>
-              <a:rPr lang="en-US" smtClean="0"/>
+              <a:rPr lang="en-US"/>
               <a:t>Second level</a:t>
             </a:r>
           </a:p>
           <a:p>
             <a:pPr lvl="2"/>
             <a:r>
-              <a:rPr lang="en-US" smtClean="0"/>
+              <a:rPr lang="en-US"/>
               <a:t>Third level</a:t>
             </a:r>
           </a:p>
           <a:p>
             <a:pPr lvl="3"/>
             <a:r>
-              <a:rPr lang="en-US" smtClean="0"/>
+              <a:rPr lang="en-US"/>
               <a:t>Fourth level</a:t>
             </a:r>
           </a:p>
           <a:p>
             <a:pPr lvl="4"/>
             <a:r>
-              <a:rPr lang="en-US" smtClean="0"/>
+              <a:rPr lang="en-US"/>
               <a:t>Fifth level</a:t>
             </a:r>
             <a:endParaRPr dirty="0"/>
@@ -4110,7 +4124,7 @@
           <a:lstStyle/>
           <a:p>
             <a:r>
-              <a:rPr lang="en-US" smtClean="0"/>
+              <a:rPr lang="en-US"/>
               <a:t>Click to edit Master title style</a:t>
             </a:r>
             <a:endParaRPr/>
@@ -4142,7 +4156,7 @@
           <a:p>
             <a:fld id="{15BAAE7D-7912-B445-AAA7-9E6395770C35}" type="datetimeFigureOut">
               <a:rPr lang="en-US" smtClean="0"/>
-              <a:t>2/28/16</a:t>
+              <a:t>10/22/2018</a:t>
             </a:fld>
             <a:endParaRPr lang="en-US"/>
           </a:p>
@@ -4240,7 +4254,7 @@
           <a:p>
             <a:fld id="{15BAAE7D-7912-B445-AAA7-9E6395770C35}" type="datetimeFigureOut">
               <a:rPr lang="en-US" smtClean="0"/>
-              <a:t>2/28/16</a:t>
+              <a:t>10/22/2018</a:t>
             </a:fld>
             <a:endParaRPr lang="en-US"/>
           </a:p>
@@ -4354,7 +4368,7 @@
           </a:lstStyle>
           <a:p>
             <a:r>
-              <a:rPr lang="en-US" smtClean="0"/>
+              <a:rPr lang="en-US"/>
               <a:t>Click to edit Master title style</a:t>
             </a:r>
             <a:endParaRPr/>
@@ -4411,35 +4425,35 @@
           <a:p>
             <a:pPr lvl="0"/>
             <a:r>
-              <a:rPr lang="en-US" smtClean="0"/>
+              <a:rPr lang="en-US"/>
               <a:t>Click to edit Master text styles</a:t>
             </a:r>
           </a:p>
           <a:p>
             <a:pPr lvl="1"/>
             <a:r>
-              <a:rPr lang="en-US" smtClean="0"/>
+              <a:rPr lang="en-US"/>
               <a:t>Second level</a:t>
             </a:r>
           </a:p>
           <a:p>
             <a:pPr lvl="2"/>
             <a:r>
-              <a:rPr lang="en-US" smtClean="0"/>
+              <a:rPr lang="en-US"/>
               <a:t>Third level</a:t>
             </a:r>
           </a:p>
           <a:p>
             <a:pPr lvl="3"/>
             <a:r>
-              <a:rPr lang="en-US" smtClean="0"/>
+              <a:rPr lang="en-US"/>
               <a:t>Fourth level</a:t>
             </a:r>
           </a:p>
           <a:p>
             <a:pPr lvl="4"/>
             <a:r>
-              <a:rPr lang="en-US" smtClean="0"/>
+              <a:rPr lang="en-US"/>
               <a:t>Fifth level</a:t>
             </a:r>
             <a:endParaRPr dirty="0"/>
@@ -4549,7 +4563,7 @@
           <a:p>
             <a:pPr lvl="0"/>
             <a:r>
-              <a:rPr lang="en-US" smtClean="0"/>
+              <a:rPr lang="en-US"/>
               <a:t>Click to edit Master text styles</a:t>
             </a:r>
           </a:p>
@@ -4580,7 +4594,7 @@
           <a:p>
             <a:fld id="{15BAAE7D-7912-B445-AAA7-9E6395770C35}" type="datetimeFigureOut">
               <a:rPr lang="en-US" smtClean="0"/>
-              <a:t>2/28/16</a:t>
+              <a:t>10/22/2018</a:t>
             </a:fld>
             <a:endParaRPr lang="en-US"/>
           </a:p>
@@ -4687,7 +4701,7 @@
           <a:lstStyle/>
           <a:p>
             <a:r>
-              <a:rPr lang="en-US" smtClean="0"/>
+              <a:rPr lang="en-US"/>
               <a:t>Click to edit Master title style</a:t>
             </a:r>
             <a:endParaRPr/>
@@ -4721,35 +4735,35 @@
           <a:p>
             <a:pPr lvl="0"/>
             <a:r>
-              <a:rPr lang="en-US" smtClean="0"/>
+              <a:rPr lang="en-US"/>
               <a:t>Click to edit Master text styles</a:t>
             </a:r>
           </a:p>
           <a:p>
             <a:pPr lvl="1"/>
             <a:r>
-              <a:rPr lang="en-US" smtClean="0"/>
+              <a:rPr lang="en-US"/>
               <a:t>Second level</a:t>
             </a:r>
           </a:p>
           <a:p>
             <a:pPr lvl="2"/>
             <a:r>
-              <a:rPr lang="en-US" smtClean="0"/>
+              <a:rPr lang="en-US"/>
               <a:t>Third level</a:t>
             </a:r>
           </a:p>
           <a:p>
             <a:pPr lvl="3"/>
             <a:r>
-              <a:rPr lang="en-US" smtClean="0"/>
+              <a:rPr lang="en-US"/>
               <a:t>Fourth level</a:t>
             </a:r>
           </a:p>
           <a:p>
             <a:pPr lvl="4"/>
             <a:r>
-              <a:rPr lang="en-US" smtClean="0"/>
+              <a:rPr lang="en-US"/>
               <a:t>Fifth level</a:t>
             </a:r>
             <a:endParaRPr dirty="0"/>
@@ -5308,27 +5322,12 @@
           <a:p>
             <a:pPr algn="ctr"/>
             <a:r>
-              <a:rPr lang="en-US" sz="2800" dirty="0" smtClean="0">
+              <a:rPr lang="en-US" sz="2800" dirty="0">
                 <a:solidFill>
                   <a:schemeClr val="tx1"/>
                 </a:solidFill>
               </a:rPr>
               <a:t>CS 419: Production Rendering</a:t>
-            </a:r>
-            <a:br>
-              <a:rPr lang="en-US" sz="2800" dirty="0" smtClean="0">
-                <a:solidFill>
-                  <a:schemeClr val="tx1"/>
-                </a:solidFill>
-              </a:rPr>
-            </a:br>
-            <a:r>
-              <a:rPr lang="en-US" sz="2800" dirty="0">
-                <a:solidFill>
-                  <a:schemeClr val="tx1"/>
-                </a:solidFill>
-              </a:rPr>
-              <a:t/>
             </a:r>
             <a:br>
               <a:rPr lang="en-US" sz="2800" dirty="0">
@@ -5337,23 +5336,22 @@
                 </a:solidFill>
               </a:rPr>
             </a:br>
-            <a:r>
-              <a:rPr lang="en-US" sz="2800" dirty="0" smtClean="0">
-                <a:solidFill>
-                  <a:schemeClr val="tx1"/>
-                </a:solidFill>
-              </a:rPr>
-              <a:t/>
-            </a:r>
             <a:br>
-              <a:rPr lang="en-US" sz="2800" dirty="0" smtClean="0">
+              <a:rPr lang="en-US" sz="2800" dirty="0">
                 <a:solidFill>
                   <a:schemeClr val="tx1"/>
                 </a:solidFill>
               </a:rPr>
             </a:br>
-            <a:r>
-              <a:rPr lang="en-US" sz="2800" dirty="0" smtClean="0">
+            <a:br>
+              <a:rPr lang="en-US" sz="2800" dirty="0">
+                <a:solidFill>
+                  <a:schemeClr val="tx1"/>
+                </a:solidFill>
+              </a:rPr>
+            </a:br>
+            <a:r>
+              <a:rPr lang="en-US" sz="2800" dirty="0">
                 <a:solidFill>
                   <a:schemeClr val="tx1"/>
                 </a:solidFill>
@@ -5408,7 +5406,7 @@
               <a:buNone/>
             </a:pPr>
             <a:r>
-              <a:rPr lang="en-US" sz="2400" dirty="0" smtClean="0">
+              <a:rPr lang="en-US" sz="2400" dirty="0">
                 <a:solidFill>
                   <a:schemeClr val="tx2"/>
                 </a:solidFill>
@@ -5425,14 +5423,14 @@
               <a:buNone/>
             </a:pPr>
             <a:r>
-              <a:rPr lang="en-US" dirty="0" smtClean="0">
+              <a:rPr lang="en-US" dirty="0">
                 <a:solidFill>
                   <a:schemeClr val="tx2"/>
                 </a:solidFill>
               </a:rPr>
               <a:t> </a:t>
             </a:r>
-            <a:endParaRPr lang="en-US" sz="300" dirty="0" smtClean="0">
+            <a:endParaRPr lang="en-US" sz="300" dirty="0">
               <a:solidFill>
                 <a:schemeClr val="tx2"/>
               </a:solidFill>
@@ -5504,21 +5502,6 @@
   <p:clrMapOvr>
     <a:masterClrMapping/>
   </p:clrMapOvr>
-  <mc:AlternateContent xmlns:mc="http://schemas.openxmlformats.org/markup-compatibility/2006" xmlns:p14="http://schemas.microsoft.com/office/powerpoint/2010/main">
-    <mc:Choice Requires="p14">
-      <p:transition spd="slow" p14:dur="2000"/>
-    </mc:Choice>
-    <mc:Fallback xmlns="">
-      <p:transition xmlns:p14="http://schemas.microsoft.com/office/powerpoint/2010/main" spd="slow"/>
-    </mc:Fallback>
-  </mc:AlternateContent>
-  <p:timing>
-    <p:tnLst>
-      <p:par>
-        <p:cTn xmlns:p14="http://schemas.microsoft.com/office/powerpoint/2010/main" id="1" dur="indefinite" restart="never" nodeType="tmRoot"/>
-      </p:par>
-    </p:tnLst>
-  </p:timing>
 </p:sld>
 </file>
 
@@ -5551,24 +5534,21 @@
         </p:nvSpPr>
         <p:spPr/>
         <p:txBody>
-          <a:bodyPr/>
+          <a:bodyPr>
+            <a:normAutofit fontScale="90000"/>
+          </a:bodyPr>
           <a:lstStyle/>
           <a:p>
             <a:r>
-              <a:rPr lang="en-US" dirty="0" smtClean="0"/>
-              <a:t>Example of Increasing </a:t>
-            </a:r>
-            <a:r>
-              <a:rPr lang="en-US" i="1" dirty="0" smtClean="0"/>
-              <a:t>e</a:t>
-            </a:r>
-            <a:endParaRPr lang="en-US" i="1" dirty="0"/>
+              <a:rPr lang="en-US" dirty="0"/>
+              <a:t>Example: Directional and Point Light</a:t>
+            </a:r>
           </a:p>
         </p:txBody>
       </p:sp>
       <p:pic>
         <p:nvPicPr>
-          <p:cNvPr id="6" name="Picture 5" descr="Figure15.07.jpg"/>
+          <p:cNvPr id="6" name="Picture 5" descr="Figure15.08(a).jpg"/>
           <p:cNvPicPr>
             <a:picLocks noChangeAspect="1"/>
           </p:cNvPicPr>
@@ -5588,8 +5568,38 @@
         </p:blipFill>
         <p:spPr>
           <a:xfrm>
-            <a:off x="381000" y="2460023"/>
-            <a:ext cx="8371268" cy="3863662"/>
+            <a:off x="0" y="2523684"/>
+            <a:ext cx="4369826" cy="2913217"/>
+          </a:xfrm>
+          <a:prstGeom prst="rect">
+            <a:avLst/>
+          </a:prstGeom>
+        </p:spPr>
+      </p:pic>
+      <p:pic>
+        <p:nvPicPr>
+          <p:cNvPr id="7" name="Picture 6" descr="Figure15.08(b).jpg"/>
+          <p:cNvPicPr>
+            <a:picLocks noChangeAspect="1"/>
+          </p:cNvPicPr>
+          <p:nvPr/>
+        </p:nvPicPr>
+        <p:blipFill>
+          <a:blip r:embed="rId3">
+            <a:extLst>
+              <a:ext uri="{28A0092B-C50C-407E-A947-70E740481C1C}">
+                <a14:useLocalDpi xmlns:a14="http://schemas.microsoft.com/office/drawing/2010/main" val="0"/>
+              </a:ext>
+            </a:extLst>
+          </a:blip>
+          <a:stretch>
+            <a:fillRect/>
+          </a:stretch>
+        </p:blipFill>
+        <p:spPr>
+          <a:xfrm>
+            <a:off x="4592657" y="2515933"/>
+            <a:ext cx="4321155" cy="2880770"/>
           </a:xfrm>
           <a:prstGeom prst="rect">
             <a:avLst/>
@@ -5599,7 +5609,7 @@
     </p:spTree>
     <p:extLst>
       <p:ext uri="{BB962C8B-B14F-4D97-AF65-F5344CB8AC3E}">
-        <p14:creationId xmlns:p14="http://schemas.microsoft.com/office/powerpoint/2010/main" val="2188511437"/>
+        <p14:creationId xmlns:p14="http://schemas.microsoft.com/office/powerpoint/2010/main" val="4151868532"/>
       </p:ext>
     </p:extLst>
   </p:cSld>
@@ -5638,22 +5648,60 @@
         </p:nvSpPr>
         <p:spPr/>
         <p:txBody>
-          <a:bodyPr>
-            <a:normAutofit fontScale="90000"/>
-          </a:bodyPr>
+          <a:bodyPr/>
           <a:lstStyle/>
           <a:p>
             <a:r>
-              <a:rPr lang="en-US" dirty="0" smtClean="0"/>
-              <a:t>Example: Directional and Point Light</a:t>
-            </a:r>
-            <a:endParaRPr lang="en-US" dirty="0"/>
+              <a:rPr lang="en-US" dirty="0"/>
+              <a:t>Viewer Dependence</a:t>
+            </a:r>
+          </a:p>
+        </p:txBody>
+      </p:sp>
+      <p:sp>
+        <p:nvSpPr>
+          <p:cNvPr id="3" name="Content Placeholder 2"/>
+          <p:cNvSpPr>
+            <a:spLocks noGrp="1"/>
+          </p:cNvSpPr>
+          <p:nvPr>
+            <p:ph idx="1"/>
+          </p:nvPr>
+        </p:nvSpPr>
+        <p:spPr>
+          <a:xfrm>
+            <a:off x="173964" y="2595562"/>
+            <a:ext cx="8970036" cy="1509671"/>
+          </a:xfrm>
+        </p:spPr>
+        <p:txBody>
+          <a:bodyPr/>
+          <a:lstStyle/>
+          <a:p>
+            <a:r>
+              <a:rPr lang="en-US" dirty="0"/>
+              <a:t>Specular effects depend on position of the eyepoint</a:t>
+            </a:r>
+          </a:p>
+          <a:p>
+            <a:pPr lvl="1"/>
+            <a:r>
+              <a:rPr lang="en-US" dirty="0"/>
+              <a:t>Fix the position of a surface plane and light</a:t>
+            </a:r>
+          </a:p>
+          <a:p>
+            <a:pPr lvl="1"/>
+            <a:r>
+              <a:rPr lang="en-US" dirty="0"/>
+              <a:t>The apparent position of the highlight is different for positions a and b</a:t>
+            </a:r>
           </a:p>
         </p:txBody>
       </p:sp>
       <p:pic>
         <p:nvPicPr>
-          <p:cNvPr id="6" name="Picture 5" descr="Figure15.08(a).jpg"/>
+          <p:cNvPr id="4" name="Picture 3" descr="Figure15.09.EPS"/>
           <p:cNvPicPr>
             <a:picLocks noChangeAspect="1"/>
           </p:cNvPicPr>
@@ -5673,38 +5721,8 @@
         </p:blipFill>
         <p:spPr>
           <a:xfrm>
-            <a:off x="0" y="2523684"/>
-            <a:ext cx="4369826" cy="2913217"/>
-          </a:xfrm>
-          <a:prstGeom prst="rect">
-            <a:avLst/>
-          </a:prstGeom>
-        </p:spPr>
-      </p:pic>
-      <p:pic>
-        <p:nvPicPr>
-          <p:cNvPr id="7" name="Picture 6" descr="Figure15.08(b).jpg"/>
-          <p:cNvPicPr>
-            <a:picLocks noChangeAspect="1"/>
-          </p:cNvPicPr>
-          <p:nvPr/>
-        </p:nvPicPr>
-        <p:blipFill>
-          <a:blip r:embed="rId3">
-            <a:extLst>
-              <a:ext uri="{28A0092B-C50C-407E-A947-70E740481C1C}">
-                <a14:useLocalDpi xmlns:a14="http://schemas.microsoft.com/office/drawing/2010/main" val="0"/>
-              </a:ext>
-            </a:extLst>
-          </a:blip>
-          <a:stretch>
-            <a:fillRect/>
-          </a:stretch>
-        </p:blipFill>
-        <p:spPr>
-          <a:xfrm>
-            <a:off x="4592657" y="2515933"/>
-            <a:ext cx="4321155" cy="2880770"/>
+            <a:off x="1445550" y="4105233"/>
+            <a:ext cx="5765800" cy="2463800"/>
           </a:xfrm>
           <a:prstGeom prst="rect">
             <a:avLst/>
@@ -5714,7 +5732,7 @@
     </p:spTree>
     <p:extLst>
       <p:ext uri="{BB962C8B-B14F-4D97-AF65-F5344CB8AC3E}">
-        <p14:creationId xmlns:p14="http://schemas.microsoft.com/office/powerpoint/2010/main" val="4151868532"/>
+        <p14:creationId xmlns:p14="http://schemas.microsoft.com/office/powerpoint/2010/main" val="2940976527"/>
       </p:ext>
     </p:extLst>
   </p:cSld>
@@ -5757,140 +5775,9 @@
           <a:lstStyle/>
           <a:p>
             <a:r>
-              <a:rPr lang="en-US" dirty="0" smtClean="0"/>
-              <a:t>Viewer Dependence</a:t>
-            </a:r>
-            <a:endParaRPr lang="en-US" dirty="0"/>
-          </a:p>
-        </p:txBody>
-      </p:sp>
-      <p:sp>
-        <p:nvSpPr>
-          <p:cNvPr id="3" name="Content Placeholder 2"/>
-          <p:cNvSpPr>
-            <a:spLocks noGrp="1"/>
-          </p:cNvSpPr>
-          <p:nvPr>
-            <p:ph idx="1"/>
-          </p:nvPr>
-        </p:nvSpPr>
-        <p:spPr>
-          <a:xfrm>
-            <a:off x="173964" y="2595562"/>
-            <a:ext cx="8970036" cy="1509671"/>
-          </a:xfrm>
-        </p:spPr>
-        <p:txBody>
-          <a:bodyPr/>
-          <a:lstStyle/>
-          <a:p>
-            <a:r>
-              <a:rPr lang="en-US" dirty="0" smtClean="0"/>
-              <a:t>Note that specular highlights depend on  position of the </a:t>
-            </a:r>
-            <a:r>
-              <a:rPr lang="en-US" dirty="0" err="1" smtClean="0"/>
-              <a:t>eyepoint</a:t>
-            </a:r>
-            <a:endParaRPr lang="en-US" dirty="0" smtClean="0"/>
-          </a:p>
-          <a:p>
-            <a:pPr lvl="1"/>
-            <a:r>
-              <a:rPr lang="en-US" dirty="0" smtClean="0"/>
-              <a:t>Fix the position of the surface and light</a:t>
-            </a:r>
-          </a:p>
-          <a:p>
-            <a:pPr lvl="1"/>
-            <a:r>
-              <a:rPr lang="en-US" dirty="0" smtClean="0"/>
-              <a:t>The apparent position of the highlight is different for positions a and b</a:t>
-            </a:r>
-            <a:endParaRPr lang="en-US" dirty="0"/>
-          </a:p>
-        </p:txBody>
-      </p:sp>
-      <p:pic>
-        <p:nvPicPr>
-          <p:cNvPr id="4" name="Picture 3" descr="Figure15.09.EPS"/>
-          <p:cNvPicPr>
-            <a:picLocks noChangeAspect="1"/>
-          </p:cNvPicPr>
-          <p:nvPr/>
-        </p:nvPicPr>
-        <p:blipFill>
-          <a:blip r:embed="rId2">
-            <a:extLst>
-              <a:ext uri="{28A0092B-C50C-407E-A947-70E740481C1C}">
-                <a14:useLocalDpi xmlns:a14="http://schemas.microsoft.com/office/drawing/2010/main" val="0"/>
-              </a:ext>
-            </a:extLst>
-          </a:blip>
-          <a:stretch>
-            <a:fillRect/>
-          </a:stretch>
-        </p:blipFill>
-        <p:spPr>
-          <a:xfrm>
-            <a:off x="1445550" y="4105233"/>
-            <a:ext cx="5765800" cy="2463800"/>
-          </a:xfrm>
-          <a:prstGeom prst="rect">
-            <a:avLst/>
-          </a:prstGeom>
-        </p:spPr>
-      </p:pic>
-    </p:spTree>
-    <p:extLst>
-      <p:ext uri="{BB962C8B-B14F-4D97-AF65-F5344CB8AC3E}">
-        <p14:creationId xmlns:p14="http://schemas.microsoft.com/office/powerpoint/2010/main" val="2940976527"/>
-      </p:ext>
-    </p:extLst>
-  </p:cSld>
-  <p:clrMapOvr>
-    <a:masterClrMapping/>
-  </p:clrMapOvr>
-</p:sld>
-</file>
-
-<file path=ppt/slides/slide13.xml><?xml version="1.0" encoding="utf-8"?>
-<p:sld xmlns:a="http://schemas.openxmlformats.org/drawingml/2006/main" xmlns:r="http://schemas.openxmlformats.org/officeDocument/2006/relationships" xmlns:p="http://schemas.openxmlformats.org/presentationml/2006/main">
-  <p:cSld>
-    <p:spTree>
-      <p:nvGrpSpPr>
-        <p:cNvPr id="1" name=""/>
-        <p:cNvGrpSpPr/>
-        <p:nvPr/>
-      </p:nvGrpSpPr>
-      <p:grpSpPr>
-        <a:xfrm>
-          <a:off x="0" y="0"/>
-          <a:ext cx="0" cy="0"/>
-          <a:chOff x="0" y="0"/>
-          <a:chExt cx="0" cy="0"/>
-        </a:xfrm>
-      </p:grpSpPr>
-      <p:sp>
-        <p:nvSpPr>
-          <p:cNvPr id="2" name="Title 1"/>
-          <p:cNvSpPr>
-            <a:spLocks noGrp="1"/>
-          </p:cNvSpPr>
-          <p:nvPr>
-            <p:ph type="title"/>
-          </p:nvPr>
-        </p:nvSpPr>
-        <p:spPr/>
-        <p:txBody>
-          <a:bodyPr/>
-          <a:lstStyle/>
-          <a:p>
-            <a:r>
-              <a:rPr lang="en-US" dirty="0" smtClean="0"/>
+              <a:rPr lang="en-US" dirty="0"/>
               <a:t>Colored Highlights</a:t>
             </a:r>
-            <a:endParaRPr lang="en-US" dirty="0"/>
           </a:p>
         </p:txBody>
       </p:sp>
@@ -5947,27 +5834,27 @@
           <a:lstStyle/>
           <a:p>
             <a:r>
-              <a:rPr lang="en-US" dirty="0" smtClean="0"/>
+              <a:rPr lang="en-US" dirty="0"/>
               <a:t>Suppose you want non-white highlights even when the light is white….</a:t>
             </a:r>
           </a:p>
           <a:p>
-            <a:endParaRPr lang="en-US" dirty="0" smtClean="0"/>
-          </a:p>
-          <a:p>
-            <a:r>
-              <a:rPr lang="en-US" dirty="0" smtClean="0"/>
+            <a:endParaRPr lang="en-US" dirty="0"/>
+          </a:p>
+          <a:p>
+            <a:r>
+              <a:rPr lang="en-US" dirty="0"/>
               <a:t>Introduce a specular color </a:t>
             </a:r>
             <a:r>
-              <a:rPr lang="en-US" dirty="0" err="1" smtClean="0"/>
+              <a:rPr lang="en-US" dirty="0" err="1"/>
               <a:t>c</a:t>
             </a:r>
             <a:r>
-              <a:rPr lang="en-US" baseline="-25000" dirty="0" err="1" smtClean="0"/>
+              <a:rPr lang="en-US" baseline="-25000" dirty="0" err="1"/>
               <a:t>s</a:t>
             </a:r>
-            <a:endParaRPr lang="en-US" baseline="-25000" dirty="0" smtClean="0"/>
+            <a:endParaRPr lang="en-US" baseline="-25000" dirty="0"/>
           </a:p>
           <a:p>
             <a:endParaRPr lang="en-US" baseline="-25000" dirty="0"/>
@@ -5999,7 +5886,7 @@
           <a:graphicData uri="http://schemas.openxmlformats.org/presentationml/2006/ole">
             <mc:AlternateContent xmlns:mc="http://schemas.openxmlformats.org/markup-compatibility/2006">
               <mc:Choice xmlns:v="urn:schemas-microsoft-com:vml" Requires="v">
-                <p:oleObj spid="_x0000_s46081" name="Equation" r:id="rId4" imgW="4572000" imgH="482600" progId="Equation.3">
+                <p:oleObj spid="_x0000_s46084" name="Equation" r:id="rId4" imgW="4572000" imgH="482600" progId="Equation.3">
                   <p:embed/>
                 </p:oleObj>
               </mc:Choice>
@@ -6047,7 +5934,7 @@
 </p:sld>
 </file>
 
-<file path=ppt/slides/slide14.xml><?xml version="1.0" encoding="utf-8"?>
+<file path=ppt/slides/slide13.xml><?xml version="1.0" encoding="utf-8"?>
 <p:sld xmlns:a="http://schemas.openxmlformats.org/drawingml/2006/main" xmlns:r="http://schemas.openxmlformats.org/officeDocument/2006/relationships" xmlns:p="http://schemas.openxmlformats.org/presentationml/2006/main">
   <p:cSld>
     <p:spTree>
@@ -6080,10 +5967,9 @@
           <a:lstStyle/>
           <a:p>
             <a:r>
-              <a:rPr lang="en-US" dirty="0" smtClean="0"/>
+              <a:rPr lang="en-US" dirty="0"/>
               <a:t>Overflow</a:t>
             </a:r>
-            <a:endParaRPr lang="en-US" dirty="0"/>
           </a:p>
         </p:txBody>
       </p:sp>
@@ -6160,7 +6046,7 @@
 </p:sld>
 </file>
 
-<file path=ppt/slides/slide15.xml><?xml version="1.0" encoding="utf-8"?>
+<file path=ppt/slides/slide14.xml><?xml version="1.0" encoding="utf-8"?>
 <p:sld xmlns:a="http://schemas.openxmlformats.org/drawingml/2006/main" xmlns:r="http://schemas.openxmlformats.org/officeDocument/2006/relationships" xmlns:p="http://schemas.openxmlformats.org/presentationml/2006/main">
   <p:cSld>
     <p:spTree>
@@ -6193,14 +6079,13 @@
           <a:lstStyle/>
           <a:p>
             <a:r>
-              <a:rPr lang="en-US" dirty="0" err="1" smtClean="0"/>
+              <a:rPr lang="en-US" dirty="0" err="1"/>
               <a:t>Blinn</a:t>
             </a:r>
             <a:r>
-              <a:rPr lang="en-US" dirty="0" smtClean="0"/>
+              <a:rPr lang="en-US" dirty="0"/>
               <a:t> Modification</a:t>
             </a:r>
-            <a:endParaRPr lang="en-US" dirty="0"/>
           </a:p>
         </p:txBody>
       </p:sp>
@@ -6225,68 +6110,51 @@
           <a:lstStyle/>
           <a:p>
             <a:r>
-              <a:rPr lang="en-US" dirty="0" smtClean="0"/>
+              <a:rPr lang="en-US" dirty="0"/>
               <a:t>Jim </a:t>
             </a:r>
             <a:r>
-              <a:rPr lang="en-US" dirty="0" err="1" smtClean="0"/>
+              <a:rPr lang="en-US" dirty="0" err="1"/>
               <a:t>Blinn</a:t>
             </a:r>
             <a:r>
-              <a:rPr lang="en-US" dirty="0" smtClean="0"/>
+              <a:rPr lang="en-US" dirty="0"/>
               <a:t> suggested using the halfway vector </a:t>
             </a:r>
             <a:r>
-              <a:rPr lang="en-US" b="1" dirty="0" smtClean="0"/>
+              <a:rPr lang="en-US" b="1" dirty="0"/>
               <a:t>h</a:t>
             </a:r>
             <a:r>
-              <a:rPr lang="en-US" dirty="0" smtClean="0"/>
+              <a:rPr lang="en-US" dirty="0"/>
               <a:t> instead of </a:t>
             </a:r>
             <a:r>
-              <a:rPr lang="en-US" b="1" dirty="0" smtClean="0"/>
+              <a:rPr lang="en-US" b="1" dirty="0"/>
               <a:t>r</a:t>
             </a:r>
             <a:br>
-              <a:rPr lang="en-US" b="1" dirty="0" smtClean="0"/>
+              <a:rPr lang="en-US" b="1" dirty="0"/>
             </a:br>
-            <a:r>
-              <a:rPr lang="en-US" b="1" dirty="0" smtClean="0"/>
-              <a:t/>
-            </a:r>
             <a:br>
-              <a:rPr lang="en-US" b="1" dirty="0" smtClean="0"/>
+              <a:rPr lang="en-US" b="1" dirty="0"/>
             </a:br>
-            <a:r>
-              <a:rPr lang="en-US" b="1" dirty="0" smtClean="0"/>
-              <a:t/>
-            </a:r>
             <a:br>
-              <a:rPr lang="en-US" b="1" dirty="0" smtClean="0"/>
+              <a:rPr lang="en-US" b="1" dirty="0"/>
             </a:br>
-            <a:r>
-              <a:rPr lang="en-US" b="1" dirty="0" smtClean="0"/>
-              <a:t/>
-            </a:r>
             <a:br>
-              <a:rPr lang="en-US" b="1" dirty="0" smtClean="0"/>
+              <a:rPr lang="en-US" b="1" dirty="0"/>
             </a:br>
-            <a:r>
-              <a:rPr lang="en-US" b="1" dirty="0" smtClean="0"/>
-              <a:t/>
-            </a:r>
             <a:br>
-              <a:rPr lang="en-US" b="1" dirty="0" smtClean="0"/>
+              <a:rPr lang="en-US" b="1" dirty="0"/>
             </a:br>
-            <a:endParaRPr lang="en-US" b="1" dirty="0" smtClean="0"/>
-          </a:p>
-          <a:p>
-            <a:r>
-              <a:rPr lang="en-US" dirty="0" smtClean="0"/>
+            <a:endParaRPr lang="en-US" b="1" dirty="0"/>
+          </a:p>
+          <a:p>
+            <a:r>
+              <a:rPr lang="en-US" dirty="0"/>
               <a:t>When would this be beneficial?</a:t>
             </a:r>
-            <a:endParaRPr lang="en-US" dirty="0"/>
           </a:p>
         </p:txBody>
       </p:sp>
@@ -6341,7 +6209,7 @@
           <a:graphicData uri="http://schemas.openxmlformats.org/presentationml/2006/ole">
             <mc:AlternateContent xmlns:mc="http://schemas.openxmlformats.org/markup-compatibility/2006">
               <mc:Choice xmlns:v="urn:schemas-microsoft-com:vml" Requires="v">
-                <p:oleObj spid="_x0000_s47105" name="Equation" r:id="rId4" imgW="1244600" imgH="711200" progId="Equation.3">
+                <p:oleObj spid="_x0000_s47108" name="Equation" r:id="rId4" imgW="1244600" imgH="711200" progId="Equation.3">
                   <p:embed/>
                 </p:oleObj>
               </mc:Choice>
@@ -6422,10 +6290,9 @@
           <a:lstStyle/>
           <a:p>
             <a:r>
-              <a:rPr lang="en-US" dirty="0" smtClean="0"/>
+              <a:rPr lang="en-US" dirty="0"/>
               <a:t>Objectives</a:t>
             </a:r>
-            <a:endParaRPr lang="en-US" dirty="0"/>
           </a:p>
         </p:txBody>
       </p:sp>
@@ -6452,22 +6319,21 @@
           <a:lstStyle/>
           <a:p>
             <a:r>
-              <a:rPr lang="en-US" dirty="0" smtClean="0"/>
+              <a:rPr lang="en-US" dirty="0"/>
               <a:t>Understand one way of modeling  glossy specular </a:t>
             </a:r>
           </a:p>
           <a:p>
             <a:r>
-              <a:rPr lang="en-US" dirty="0" smtClean="0"/>
+              <a:rPr lang="en-US" dirty="0"/>
               <a:t>Know how specular reflection can be implemented</a:t>
             </a:r>
           </a:p>
           <a:p>
             <a:r>
-              <a:rPr lang="en-US" dirty="0" smtClean="0"/>
+              <a:rPr lang="en-US" dirty="0"/>
               <a:t>Seen how how a lighting model can be view-dependent</a:t>
             </a:r>
-            <a:endParaRPr lang="en-US" dirty="0"/>
           </a:p>
         </p:txBody>
       </p:sp>
@@ -6547,10 +6413,9 @@
           <a:lstStyle/>
           <a:p>
             <a:r>
-              <a:rPr lang="en-US" dirty="0" smtClean="0"/>
+              <a:rPr lang="en-US" dirty="0"/>
               <a:t>Modeling Specular Reflections</a:t>
             </a:r>
-            <a:endParaRPr lang="en-US" dirty="0"/>
           </a:p>
         </p:txBody>
       </p:sp>
@@ -6576,26 +6441,24 @@
           <a:p>
             <a:pPr lvl="1"/>
             <a:r>
-              <a:rPr lang="en-US" dirty="0" smtClean="0"/>
+              <a:rPr lang="en-US" dirty="0"/>
               <a:t>Glossy specular refection clusters reflection directions around the mirror reflection direction</a:t>
             </a:r>
-            <a:endParaRPr lang="en-US" dirty="0" smtClean="0"/>
           </a:p>
           <a:p>
             <a:pPr lvl="1"/>
             <a:r>
-              <a:rPr lang="en-US" dirty="0" smtClean="0"/>
+              <a:rPr lang="en-US" dirty="0"/>
               <a:t>Call this direction </a:t>
             </a:r>
             <a:r>
-              <a:rPr lang="en-US" b="1" dirty="0" smtClean="0"/>
+              <a:rPr lang="en-US" b="1" dirty="0"/>
               <a:t>r</a:t>
             </a:r>
             <a:r>
-              <a:rPr lang="en-US" dirty="0" smtClean="0"/>
+              <a:rPr lang="en-US" dirty="0"/>
               <a:t>…we must derive an expression for it…</a:t>
             </a:r>
-            <a:endParaRPr lang="en-US" dirty="0" smtClean="0"/>
           </a:p>
           <a:p>
             <a:pPr marL="0" indent="0">
@@ -6680,10 +6543,9 @@
           <a:lstStyle/>
           <a:p>
             <a:r>
-              <a:rPr lang="en-US" dirty="0" smtClean="0"/>
+              <a:rPr lang="en-US" dirty="0"/>
               <a:t>Modeling Specular Reflections</a:t>
             </a:r>
-            <a:endParaRPr lang="en-US" dirty="0"/>
           </a:p>
         </p:txBody>
       </p:sp>
@@ -6762,10 +6624,9 @@
           <a:lstStyle/>
           <a:p>
             <a:r>
-              <a:rPr lang="en-US" dirty="0" smtClean="0"/>
+              <a:rPr lang="en-US" dirty="0"/>
               <a:t>Modeling Specular Reflection</a:t>
             </a:r>
-            <a:endParaRPr lang="en-US" dirty="0"/>
           </a:p>
         </p:txBody>
       </p:sp>
@@ -6792,40 +6653,39 @@
           <a:lstStyle/>
           <a:p>
             <a:r>
-              <a:rPr lang="en-US" dirty="0" smtClean="0"/>
+              <a:rPr lang="en-US" dirty="0"/>
               <a:t>How do we model clustering of radiance around </a:t>
             </a:r>
             <a:r>
-              <a:rPr lang="en-US" b="1" dirty="0" smtClean="0"/>
+              <a:rPr lang="en-US" b="1" dirty="0"/>
               <a:t>r</a:t>
             </a:r>
             <a:r>
-              <a:rPr lang="en-US" dirty="0" smtClean="0"/>
+              <a:rPr lang="en-US" dirty="0"/>
               <a:t>?</a:t>
             </a:r>
           </a:p>
           <a:p>
             <a:r>
-              <a:rPr lang="en-US" dirty="0" smtClean="0"/>
+              <a:rPr lang="en-US" dirty="0"/>
               <a:t>Decrease radiance as angle between r and </a:t>
             </a:r>
             <a:r>
-              <a:rPr lang="en-US" dirty="0" err="1" smtClean="0"/>
+              <a:rPr lang="en-US" dirty="0" err="1"/>
               <a:t>ω</a:t>
             </a:r>
             <a:r>
-              <a:rPr lang="en-US" baseline="-25000" dirty="0" err="1" smtClean="0"/>
+              <a:rPr lang="en-US" baseline="-25000" dirty="0" err="1"/>
               <a:t>o</a:t>
             </a:r>
             <a:r>
-              <a:rPr lang="en-US" baseline="-25000" dirty="0" smtClean="0"/>
+              <a:rPr lang="en-US" baseline="-25000" dirty="0"/>
               <a:t> </a:t>
             </a:r>
             <a:r>
-              <a:rPr lang="en-US" dirty="0" smtClean="0"/>
+              <a:rPr lang="en-US" dirty="0"/>
               <a:t>increases</a:t>
             </a:r>
-            <a:endParaRPr lang="en-US" dirty="0"/>
           </a:p>
         </p:txBody>
       </p:sp>
@@ -6904,10 +6764,9 @@
           <a:lstStyle/>
           <a:p>
             <a:r>
-              <a:rPr lang="en-US" dirty="0" smtClean="0"/>
+              <a:rPr lang="en-US" dirty="0"/>
               <a:t>Modeling Specular Reflection</a:t>
             </a:r>
-            <a:endParaRPr lang="en-US" dirty="0"/>
           </a:p>
         </p:txBody>
       </p:sp>
@@ -6934,40 +6793,39 @@
           <a:lstStyle/>
           <a:p>
             <a:r>
-              <a:rPr lang="en-US" dirty="0" smtClean="0"/>
+              <a:rPr lang="en-US" dirty="0"/>
               <a:t>How do we model clustering of radiance around </a:t>
             </a:r>
             <a:r>
-              <a:rPr lang="en-US" b="1" dirty="0" smtClean="0"/>
+              <a:rPr lang="en-US" b="1" dirty="0"/>
               <a:t>r</a:t>
             </a:r>
             <a:r>
-              <a:rPr lang="en-US" dirty="0" smtClean="0"/>
+              <a:rPr lang="en-US" dirty="0"/>
               <a:t>?</a:t>
             </a:r>
           </a:p>
           <a:p>
             <a:r>
-              <a:rPr lang="en-US" dirty="0" smtClean="0"/>
+              <a:rPr lang="en-US" dirty="0"/>
               <a:t>Decrease radiance as angle between r and </a:t>
             </a:r>
             <a:r>
-              <a:rPr lang="en-US" dirty="0" err="1" smtClean="0"/>
+              <a:rPr lang="en-US" dirty="0" err="1"/>
               <a:t>ω</a:t>
             </a:r>
             <a:r>
-              <a:rPr lang="en-US" baseline="-25000" dirty="0" err="1" smtClean="0"/>
+              <a:rPr lang="en-US" baseline="-25000" dirty="0" err="1"/>
               <a:t>o</a:t>
             </a:r>
             <a:r>
-              <a:rPr lang="en-US" baseline="-25000" dirty="0" smtClean="0"/>
+              <a:rPr lang="en-US" baseline="-25000" dirty="0"/>
               <a:t> </a:t>
             </a:r>
             <a:r>
-              <a:rPr lang="en-US" dirty="0" smtClean="0"/>
+              <a:rPr lang="en-US" dirty="0"/>
               <a:t>increases</a:t>
             </a:r>
-            <a:endParaRPr lang="en-US" dirty="0"/>
           </a:p>
         </p:txBody>
       </p:sp>
@@ -7023,22 +6881,18 @@
           <a:lstStyle/>
           <a:p>
             <a:r>
-              <a:rPr lang="en-US" b="1" u="sng" dirty="0" err="1" smtClean="0"/>
+              <a:rPr lang="en-US" b="1" u="sng" dirty="0" err="1"/>
               <a:t>Phong</a:t>
             </a:r>
             <a:r>
-              <a:rPr lang="en-US" b="1" u="sng" dirty="0" smtClean="0"/>
+              <a:rPr lang="en-US" b="1" u="sng" dirty="0"/>
               <a:t> Specular Model</a:t>
             </a:r>
             <a:br>
-              <a:rPr lang="en-US" b="1" u="sng" dirty="0" smtClean="0"/>
+              <a:rPr lang="en-US" b="1" u="sng" dirty="0"/>
             </a:br>
-            <a:r>
-              <a:rPr lang="en-US" b="1" u="sng" dirty="0" smtClean="0"/>
-              <a:t/>
-            </a:r>
             <a:br>
-              <a:rPr lang="en-US" b="1" u="sng" dirty="0" smtClean="0"/>
+              <a:rPr lang="en-US" b="1" u="sng" dirty="0"/>
             </a:br>
             <a:endParaRPr lang="en-US" b="1" u="sng" dirty="0"/>
           </a:p>
@@ -7066,7 +6920,7 @@
           <a:graphicData uri="http://schemas.openxmlformats.org/presentationml/2006/ole">
             <mc:AlternateContent xmlns:mc="http://schemas.openxmlformats.org/markup-compatibility/2006">
               <mc:Choice xmlns:v="urn:schemas-microsoft-com:vml" Requires="v">
-                <p:oleObj spid="_x0000_s41987" name="Equation" r:id="rId4" imgW="1511300" imgH="685800" progId="Equation.3">
+                <p:oleObj spid="_x0000_s41990" name="Equation" r:id="rId4" imgW="1511300" imgH="685800" progId="Equation.3">
                   <p:embed/>
                 </p:oleObj>
               </mc:Choice>
@@ -7147,18 +7001,17 @@
           <a:lstStyle/>
           <a:p>
             <a:r>
-              <a:rPr lang="en-US" dirty="0" smtClean="0"/>
+              <a:rPr lang="en-US" dirty="0"/>
               <a:t>The </a:t>
             </a:r>
             <a:r>
-              <a:rPr lang="en-US" dirty="0" err="1" smtClean="0"/>
+              <a:rPr lang="en-US" dirty="0" err="1"/>
               <a:t>Phong</a:t>
             </a:r>
             <a:r>
-              <a:rPr lang="en-US" dirty="0" smtClean="0"/>
+              <a:rPr lang="en-US" dirty="0"/>
               <a:t> Model is Non-Physical</a:t>
             </a:r>
-            <a:endParaRPr lang="en-US" dirty="0"/>
           </a:p>
         </p:txBody>
       </p:sp>
@@ -7185,16 +7038,21 @@
           <a:lstStyle/>
           <a:p>
             <a:r>
-              <a:rPr lang="en-US" dirty="0" smtClean="0"/>
-              <a:t>Lacks reciprocity and does not conserve energy…among other things</a:t>
-            </a:r>
-          </a:p>
-          <a:p>
-            <a:r>
-              <a:rPr lang="en-US" dirty="0" smtClean="0"/>
+              <a:rPr lang="en-US" dirty="0"/>
+              <a:t>Lacks reciprocity and does not conserve energy…</a:t>
+            </a:r>
+          </a:p>
+          <a:p>
+            <a:pPr marL="0" indent="0">
+              <a:buNone/>
+            </a:pPr>
+            <a:endParaRPr lang="en-US" dirty="0"/>
+          </a:p>
+          <a:p>
+            <a:r>
+              <a:rPr lang="en-US" dirty="0"/>
               <a:t>Can modify reflected specular radiance to be:</a:t>
             </a:r>
-            <a:endParaRPr lang="en-US" dirty="0" smtClean="0"/>
           </a:p>
           <a:p>
             <a:endParaRPr lang="en-US" i="1" dirty="0"/>
@@ -7203,44 +7061,43 @@
             <a:pPr marL="0" indent="0">
               <a:buNone/>
             </a:pPr>
-            <a:endParaRPr lang="en-US" i="1" dirty="0" smtClean="0"/>
-          </a:p>
-          <a:p>
-            <a:r>
-              <a:rPr lang="en-US" dirty="0" smtClean="0"/>
+            <a:endParaRPr lang="en-US" i="1" dirty="0"/>
+          </a:p>
+          <a:p>
+            <a:r>
+              <a:rPr lang="en-US" dirty="0"/>
               <a:t>Conserves energy if </a:t>
             </a:r>
             <a:r>
-              <a:rPr lang="en-US" i="1" dirty="0" err="1" smtClean="0"/>
+              <a:rPr lang="en-US" i="1" dirty="0" err="1"/>
               <a:t>k</a:t>
             </a:r>
             <a:r>
-              <a:rPr lang="en-US" i="1" baseline="-25000" dirty="0" err="1" smtClean="0"/>
+              <a:rPr lang="en-US" i="1" baseline="-25000" dirty="0" err="1"/>
               <a:t>d</a:t>
             </a:r>
             <a:r>
-              <a:rPr lang="en-US" i="1" dirty="0" err="1" smtClean="0"/>
+              <a:rPr lang="en-US" i="1" dirty="0" err="1"/>
               <a:t>+k</a:t>
             </a:r>
             <a:r>
-              <a:rPr lang="en-US" i="1" baseline="-25000" dirty="0" err="1" smtClean="0"/>
+              <a:rPr lang="en-US" i="1" baseline="-25000" dirty="0" err="1"/>
               <a:t>s</a:t>
             </a:r>
             <a:r>
-              <a:rPr lang="en-US" i="1" dirty="0" smtClean="0"/>
+              <a:rPr lang="en-US" i="1" dirty="0"/>
               <a:t> </a:t>
             </a:r>
             <a:r>
-              <a:rPr lang="en-US" dirty="0" smtClean="0"/>
+              <a:rPr lang="en-US" dirty="0"/>
               <a:t>&lt;1.0</a:t>
             </a:r>
-            <a:endParaRPr lang="en-US" dirty="0" smtClean="0"/>
           </a:p>
           <a:p>
             <a:pPr marL="0" indent="0">
               <a:buNone/>
             </a:pPr>
-            <a:endParaRPr lang="en-US" dirty="0" smtClean="0"/>
+            <a:endParaRPr lang="en-US" dirty="0"/>
           </a:p>
           <a:p>
             <a:endParaRPr lang="en-US" b="1" baseline="-25000" dirty="0"/>
@@ -7269,7 +7126,7 @@
           <a:graphicData uri="http://schemas.openxmlformats.org/presentationml/2006/ole">
             <mc:AlternateContent xmlns:mc="http://schemas.openxmlformats.org/markup-compatibility/2006">
               <mc:Choice xmlns:v="urn:schemas-microsoft-com:vml" Requires="v">
-                <p:oleObj spid="_x0000_s31771" name="Equation" r:id="rId3" imgW="1828800" imgH="241300" progId="Equation.3">
+                <p:oleObj spid="_x0000_s31774" name="Equation" r:id="rId3" imgW="1828800" imgH="241300" progId="Equation.3">
                   <p:embed/>
                 </p:oleObj>
               </mc:Choice>
@@ -7357,18 +7214,17 @@
           <a:lstStyle/>
           <a:p>
             <a:r>
-              <a:rPr lang="en-US" dirty="0" smtClean="0"/>
+              <a:rPr lang="en-US" dirty="0"/>
               <a:t>A Full </a:t>
             </a:r>
             <a:r>
-              <a:rPr lang="en-US" dirty="0" err="1" smtClean="0"/>
+              <a:rPr lang="en-US" dirty="0" err="1"/>
               <a:t>Phong</a:t>
             </a:r>
             <a:r>
-              <a:rPr lang="en-US" dirty="0" smtClean="0"/>
+              <a:rPr lang="en-US" dirty="0"/>
               <a:t>-style Reflection Model</a:t>
             </a:r>
-            <a:endParaRPr lang="en-US" dirty="0"/>
           </a:p>
         </p:txBody>
       </p:sp>
@@ -7395,10 +7251,9 @@
           <a:lstStyle/>
           <a:p>
             <a:r>
-              <a:rPr lang="en-US" dirty="0" smtClean="0"/>
+              <a:rPr lang="en-US" dirty="0"/>
               <a:t>For n point and directional lights</a:t>
             </a:r>
-            <a:endParaRPr lang="en-US" dirty="0" smtClean="0"/>
           </a:p>
           <a:p>
             <a:endParaRPr lang="en-US" i="1" dirty="0"/>
@@ -7407,26 +7262,18 @@
             <a:pPr marL="0" indent="0">
               <a:buNone/>
             </a:pPr>
-            <a:r>
-              <a:rPr lang="en-US" i="1" dirty="0"/>
-              <a:t/>
-            </a:r>
             <a:br>
               <a:rPr lang="en-US" i="1" dirty="0"/>
             </a:br>
-            <a:endParaRPr lang="en-US" i="1" dirty="0" smtClean="0"/>
+            <a:endParaRPr lang="en-US" i="1" dirty="0"/>
           </a:p>
           <a:p>
             <a:r>
               <a:rPr lang="en-US" i="1" dirty="0"/>
-              <a:t>j</a:t>
-            </a:r>
-            <a:r>
-              <a:rPr lang="en-US" i="1" dirty="0" smtClean="0"/>
-              <a:t> </a:t>
-            </a:r>
-            <a:r>
-              <a:rPr lang="en-US" dirty="0" smtClean="0"/>
+              <a:t>j </a:t>
+            </a:r>
+            <a:r>
+              <a:rPr lang="en-US" dirty="0"/>
               <a:t>is index for each light </a:t>
             </a:r>
           </a:p>
@@ -7434,7 +7281,7 @@
             <a:pPr marL="0" indent="0">
               <a:buNone/>
             </a:pPr>
-            <a:endParaRPr lang="en-US" dirty="0" smtClean="0"/>
+            <a:endParaRPr lang="en-US" dirty="0"/>
           </a:p>
           <a:p>
             <a:endParaRPr lang="en-US" b="1" baseline="-25000" dirty="0"/>
@@ -7463,7 +7310,7 @@
           <a:graphicData uri="http://schemas.openxmlformats.org/presentationml/2006/ole">
             <mc:AlternateContent xmlns:mc="http://schemas.openxmlformats.org/markup-compatibility/2006">
               <mc:Choice xmlns:v="urn:schemas-microsoft-com:vml" Requires="v">
-                <p:oleObj spid="_x0000_s43013" name="Equation" r:id="rId3" imgW="4445000" imgH="482600" progId="Equation.3">
+                <p:oleObj spid="_x0000_s43016" name="Equation" r:id="rId3" imgW="4445000" imgH="482600" progId="Equation.3">
                   <p:embed/>
                 </p:oleObj>
               </mc:Choice>
@@ -7573,52 +7420,19 @@
           <a:lstStyle/>
           <a:p>
             <a:r>
-              <a:rPr lang="en-US" dirty="0" smtClean="0"/>
-              <a:t>Problems with Indirect Lighting</a:t>
-            </a:r>
-            <a:endParaRPr lang="en-US" dirty="0"/>
-          </a:p>
-        </p:txBody>
-      </p:sp>
-      <p:sp>
-        <p:nvSpPr>
-          <p:cNvPr id="3" name="Content Placeholder 2"/>
-          <p:cNvSpPr>
-            <a:spLocks noGrp="1"/>
-          </p:cNvSpPr>
-          <p:nvPr>
-            <p:ph idx="1"/>
-          </p:nvPr>
-        </p:nvSpPr>
-        <p:spPr>
-          <a:xfrm>
-            <a:off x="1" y="2595562"/>
-            <a:ext cx="9446262" cy="953029"/>
-          </a:xfrm>
-        </p:spPr>
-        <p:txBody>
-          <a:bodyPr/>
-          <a:lstStyle/>
-          <a:p>
-            <a:r>
-              <a:rPr lang="en-US" dirty="0" smtClean="0"/>
-              <a:t>Using this </a:t>
-            </a:r>
-            <a:r>
-              <a:rPr lang="en-US" dirty="0" err="1" smtClean="0"/>
-              <a:t>Phong-stye</a:t>
-            </a:r>
-            <a:r>
-              <a:rPr lang="en-US" dirty="0" smtClean="0"/>
-              <a:t> BRDF would be problematic for inter-reflections</a:t>
-            </a:r>
-            <a:endParaRPr lang="en-US" dirty="0"/>
+              <a:rPr lang="en-US" dirty="0"/>
+              <a:t>Example of Increasing </a:t>
+            </a:r>
+            <a:r>
+              <a:rPr lang="en-US" i="1" dirty="0"/>
+              <a:t>e</a:t>
+            </a:r>
           </a:p>
         </p:txBody>
       </p:sp>
       <p:pic>
         <p:nvPicPr>
-          <p:cNvPr id="4" name="Picture 3" descr="Figure15.05.EPS"/>
+          <p:cNvPr id="6" name="Picture 5" descr="Figure15.07.jpg"/>
           <p:cNvPicPr>
             <a:picLocks noChangeAspect="1"/>
           </p:cNvPicPr>
@@ -7638,8 +7452,8 @@
         </p:blipFill>
         <p:spPr>
           <a:xfrm>
-            <a:off x="471348" y="3322455"/>
-            <a:ext cx="8274993" cy="2788709"/>
+            <a:off x="381000" y="2460023"/>
+            <a:ext cx="8371268" cy="3863662"/>
           </a:xfrm>
           <a:prstGeom prst="rect">
             <a:avLst/>
@@ -7649,7 +7463,7 @@
     </p:spTree>
     <p:extLst>
       <p:ext uri="{BB962C8B-B14F-4D97-AF65-F5344CB8AC3E}">
-        <p14:creationId xmlns:p14="http://schemas.microsoft.com/office/powerpoint/2010/main" val="3668521573"/>
+        <p14:creationId xmlns:p14="http://schemas.microsoft.com/office/powerpoint/2010/main" val="2188511437"/>
       </p:ext>
     </p:extLst>
   </p:cSld>
